--- a/2021/打包/lib/number_space/pictures/新建 Microsoft PowerPoint 演示文稿.pptx
+++ b/2021/打包/lib/number_space/pictures/新建 Microsoft PowerPoint 演示文稿.pptx
@@ -6,6 +6,8 @@
   </p:sldMasterIdLst>
   <p:sldIdLst>
     <p:sldId id="256" r:id="rId2"/>
+    <p:sldId id="257" r:id="rId3"/>
+    <p:sldId id="258" r:id="rId4"/>
   </p:sldIdLst>
   <p:sldSz cx="12863513" cy="7175500"/>
   <p:notesSz cx="6858000" cy="9144000"/>
@@ -243,7 +245,7 @@
           <a:p>
             <a:fld id="{EE36AEE6-4299-438B-8871-3C79244FDC09}" type="datetimeFigureOut">
               <a:rPr lang="zh-CN" altLang="en-US" smtClean="0"/>
-              <a:t>2021/4/29</a:t>
+              <a:t>2021/10/11</a:t>
             </a:fld>
             <a:endParaRPr lang="zh-CN" altLang="en-US"/>
           </a:p>
@@ -413,7 +415,7 @@
           <a:p>
             <a:fld id="{EE36AEE6-4299-438B-8871-3C79244FDC09}" type="datetimeFigureOut">
               <a:rPr lang="zh-CN" altLang="en-US" smtClean="0"/>
-              <a:t>2021/4/29</a:t>
+              <a:t>2021/10/11</a:t>
             </a:fld>
             <a:endParaRPr lang="zh-CN" altLang="en-US"/>
           </a:p>
@@ -593,7 +595,7 @@
           <a:p>
             <a:fld id="{EE36AEE6-4299-438B-8871-3C79244FDC09}" type="datetimeFigureOut">
               <a:rPr lang="zh-CN" altLang="en-US" smtClean="0"/>
-              <a:t>2021/4/29</a:t>
+              <a:t>2021/10/11</a:t>
             </a:fld>
             <a:endParaRPr lang="zh-CN" altLang="en-US"/>
           </a:p>
@@ -763,7 +765,7 @@
           <a:p>
             <a:fld id="{EE36AEE6-4299-438B-8871-3C79244FDC09}" type="datetimeFigureOut">
               <a:rPr lang="zh-CN" altLang="en-US" smtClean="0"/>
-              <a:t>2021/4/29</a:t>
+              <a:t>2021/10/11</a:t>
             </a:fld>
             <a:endParaRPr lang="zh-CN" altLang="en-US"/>
           </a:p>
@@ -1009,7 +1011,7 @@
           <a:p>
             <a:fld id="{EE36AEE6-4299-438B-8871-3C79244FDC09}" type="datetimeFigureOut">
               <a:rPr lang="zh-CN" altLang="en-US" smtClean="0"/>
-              <a:t>2021/4/29</a:t>
+              <a:t>2021/10/11</a:t>
             </a:fld>
             <a:endParaRPr lang="zh-CN" altLang="en-US"/>
           </a:p>
@@ -1241,7 +1243,7 @@
           <a:p>
             <a:fld id="{EE36AEE6-4299-438B-8871-3C79244FDC09}" type="datetimeFigureOut">
               <a:rPr lang="zh-CN" altLang="en-US" smtClean="0"/>
-              <a:t>2021/4/29</a:t>
+              <a:t>2021/10/11</a:t>
             </a:fld>
             <a:endParaRPr lang="zh-CN" altLang="en-US"/>
           </a:p>
@@ -1608,7 +1610,7 @@
           <a:p>
             <a:fld id="{EE36AEE6-4299-438B-8871-3C79244FDC09}" type="datetimeFigureOut">
               <a:rPr lang="zh-CN" altLang="en-US" smtClean="0"/>
-              <a:t>2021/4/29</a:t>
+              <a:t>2021/10/11</a:t>
             </a:fld>
             <a:endParaRPr lang="zh-CN" altLang="en-US"/>
           </a:p>
@@ -1726,7 +1728,7 @@
           <a:p>
             <a:fld id="{EE36AEE6-4299-438B-8871-3C79244FDC09}" type="datetimeFigureOut">
               <a:rPr lang="zh-CN" altLang="en-US" smtClean="0"/>
-              <a:t>2021/4/29</a:t>
+              <a:t>2021/10/11</a:t>
             </a:fld>
             <a:endParaRPr lang="zh-CN" altLang="en-US"/>
           </a:p>
@@ -1821,7 +1823,7 @@
           <a:p>
             <a:fld id="{EE36AEE6-4299-438B-8871-3C79244FDC09}" type="datetimeFigureOut">
               <a:rPr lang="zh-CN" altLang="en-US" smtClean="0"/>
-              <a:t>2021/4/29</a:t>
+              <a:t>2021/10/11</a:t>
             </a:fld>
             <a:endParaRPr lang="zh-CN" altLang="en-US"/>
           </a:p>
@@ -2098,7 +2100,7 @@
           <a:p>
             <a:fld id="{EE36AEE6-4299-438B-8871-3C79244FDC09}" type="datetimeFigureOut">
               <a:rPr lang="zh-CN" altLang="en-US" smtClean="0"/>
-              <a:t>2021/4/29</a:t>
+              <a:t>2021/10/11</a:t>
             </a:fld>
             <a:endParaRPr lang="zh-CN" altLang="en-US"/>
           </a:p>
@@ -2355,7 +2357,7 @@
           <a:p>
             <a:fld id="{EE36AEE6-4299-438B-8871-3C79244FDC09}" type="datetimeFigureOut">
               <a:rPr lang="zh-CN" altLang="en-US" smtClean="0"/>
-              <a:t>2021/4/29</a:t>
+              <a:t>2021/10/11</a:t>
             </a:fld>
             <a:endParaRPr lang="zh-CN" altLang="en-US"/>
           </a:p>
@@ -2568,7 +2570,7 @@
           <a:p>
             <a:fld id="{EE36AEE6-4299-438B-8871-3C79244FDC09}" type="datetimeFigureOut">
               <a:rPr lang="zh-CN" altLang="en-US" smtClean="0"/>
-              <a:t>2021/4/29</a:t>
+              <a:t>2021/10/11</a:t>
             </a:fld>
             <a:endParaRPr lang="zh-CN" altLang="en-US"/>
           </a:p>
@@ -2983,10 +2985,10 @@
       </p:grpSpPr>
       <p:pic>
         <p:nvPicPr>
-          <p:cNvPr id="7" name="图片 6">
+          <p:cNvPr id="3" name="图片 2">
             <a:extLst>
               <a:ext uri="{FF2B5EF4-FFF2-40B4-BE49-F238E27FC236}">
-                <a16:creationId xmlns:a16="http://schemas.microsoft.com/office/drawing/2014/main" id="{A3BCC451-438D-4D21-99FE-6331ABC8C3F3}"/>
+                <a16:creationId xmlns:a16="http://schemas.microsoft.com/office/drawing/2014/main" id="{04F1EC73-7BAC-4374-ABAA-4ED93EEACF17}"/>
               </a:ext>
             </a:extLst>
           </p:cNvPr>
@@ -3009,8 +3011,134 @@
         </p:blipFill>
         <p:spPr>
           <a:xfrm>
-            <a:off x="944590" y="501219"/>
-            <a:ext cx="10974332" cy="6173061"/>
+            <a:off x="-1" y="0"/>
+            <a:ext cx="12863513" cy="7175500"/>
+          </a:xfrm>
+          <a:prstGeom prst="rect">
+            <a:avLst/>
+          </a:prstGeom>
+        </p:spPr>
+      </p:pic>
+      <p:sp>
+        <p:nvSpPr>
+          <p:cNvPr id="4" name="文本框 3">
+            <a:extLst>
+              <a:ext uri="{FF2B5EF4-FFF2-40B4-BE49-F238E27FC236}">
+                <a16:creationId xmlns:a16="http://schemas.microsoft.com/office/drawing/2014/main" id="{7D3A3D66-475E-4EED-ADFD-1D80BA4D596B}"/>
+              </a:ext>
+            </a:extLst>
+          </p:cNvPr>
+          <p:cNvSpPr txBox="1"/>
+          <p:nvPr/>
+        </p:nvSpPr>
+        <p:spPr>
+          <a:xfrm>
+            <a:off x="2447584" y="2007035"/>
+            <a:ext cx="7968342" cy="2246769"/>
+          </a:xfrm>
+          <a:prstGeom prst="rect">
+            <a:avLst/>
+          </a:prstGeom>
+          <a:noFill/>
+        </p:spPr>
+        <p:txBody>
+          <a:bodyPr wrap="square" rtlCol="0">
+            <a:spAutoFit/>
+          </a:bodyPr>
+          <a:lstStyle/>
+          <a:p>
+            <a:pPr algn="ctr"/>
+            <a:r>
+              <a:rPr lang="zh-CN" altLang="en-US" sz="2800" b="1" dirty="0"/>
+              <a:t>实验结束</a:t>
+            </a:r>
+            <a:endParaRPr lang="en-US" altLang="zh-CN" sz="2800" b="1" dirty="0"/>
+          </a:p>
+          <a:p>
+            <a:pPr algn="ctr"/>
+            <a:endParaRPr lang="en-US" altLang="zh-CN" sz="2800" b="1" dirty="0"/>
+          </a:p>
+          <a:p>
+            <a:pPr algn="ctr"/>
+            <a:r>
+              <a:rPr lang="zh-CN" altLang="en-US" sz="2800" b="1" dirty="0"/>
+              <a:t>谢谢您的参与</a:t>
+            </a:r>
+            <a:endParaRPr lang="en-US" altLang="zh-CN" sz="2800" b="1" dirty="0"/>
+          </a:p>
+          <a:p>
+            <a:pPr algn="ctr"/>
+            <a:endParaRPr lang="en-US" altLang="zh-CN" sz="2800" b="1" dirty="0"/>
+          </a:p>
+          <a:p>
+            <a:pPr algn="ctr"/>
+            <a:r>
+              <a:rPr lang="zh-CN" altLang="en-US" sz="2800" b="1" dirty="0"/>
+              <a:t>按空格键结束</a:t>
+            </a:r>
+          </a:p>
+        </p:txBody>
+      </p:sp>
+    </p:spTree>
+    <p:extLst>
+      <p:ext uri="{BB962C8B-B14F-4D97-AF65-F5344CB8AC3E}">
+        <p14:creationId xmlns:p14="http://schemas.microsoft.com/office/powerpoint/2010/main" val="2066884447"/>
+      </p:ext>
+    </p:extLst>
+  </p:cSld>
+  <p:clrMapOvr>
+    <a:masterClrMapping/>
+  </p:clrMapOvr>
+</p:sld>
+</file>
+
+<file path=ppt/slides/slide2.xml><?xml version="1.0" encoding="utf-8"?>
+<p:sld xmlns:a="http://schemas.openxmlformats.org/drawingml/2006/main" xmlns:r="http://schemas.openxmlformats.org/officeDocument/2006/relationships" xmlns:p="http://schemas.openxmlformats.org/presentationml/2006/main">
+  <p:cSld>
+    <p:spTree>
+      <p:nvGrpSpPr>
+        <p:cNvPr id="1" name=""/>
+        <p:cNvGrpSpPr/>
+        <p:nvPr/>
+      </p:nvGrpSpPr>
+      <p:grpSpPr>
+        <a:xfrm>
+          <a:off x="0" y="0"/>
+          <a:ext cx="0" cy="0"/>
+          <a:chOff x="0" y="0"/>
+          <a:chExt cx="0" cy="0"/>
+        </a:xfrm>
+      </p:grpSpPr>
+      <p:pic>
+        <p:nvPicPr>
+          <p:cNvPr id="5" name="图片 4">
+            <a:extLst>
+              <a:ext uri="{FF2B5EF4-FFF2-40B4-BE49-F238E27FC236}">
+                <a16:creationId xmlns:a16="http://schemas.microsoft.com/office/drawing/2014/main" id="{A8BCB191-306A-4BC0-B365-3FA452FBFE99}"/>
+              </a:ext>
+            </a:extLst>
+          </p:cNvPr>
+          <p:cNvPicPr>
+            <a:picLocks noChangeAspect="1"/>
+          </p:cNvPicPr>
+          <p:nvPr/>
+        </p:nvPicPr>
+        <p:blipFill>
+          <a:blip r:embed="rId2">
+            <a:extLst>
+              <a:ext uri="{28A0092B-C50C-407E-A947-70E740481C1C}">
+                <a14:useLocalDpi xmlns:a14="http://schemas.microsoft.com/office/drawing/2010/main" val="0"/>
+              </a:ext>
+            </a:extLst>
+          </a:blip>
+          <a:stretch>
+            <a:fillRect/>
+          </a:stretch>
+        </p:blipFill>
+        <p:spPr>
+          <a:xfrm>
+            <a:off x="-1" y="0"/>
+            <a:ext cx="12863513" cy="7175500"/>
           </a:xfrm>
           <a:prstGeom prst="rect">
             <a:avLst/>
@@ -3020,7 +3148,176 @@
     </p:spTree>
     <p:extLst>
       <p:ext uri="{BB962C8B-B14F-4D97-AF65-F5344CB8AC3E}">
-        <p14:creationId xmlns:p14="http://schemas.microsoft.com/office/powerpoint/2010/main" val="2066884447"/>
+        <p14:creationId xmlns:p14="http://schemas.microsoft.com/office/powerpoint/2010/main" val="4036483314"/>
+      </p:ext>
+    </p:extLst>
+  </p:cSld>
+  <p:clrMapOvr>
+    <a:masterClrMapping/>
+  </p:clrMapOvr>
+</p:sld>
+</file>
+
+<file path=ppt/slides/slide3.xml><?xml version="1.0" encoding="utf-8"?>
+<p:sld xmlns:a="http://schemas.openxmlformats.org/drawingml/2006/main" xmlns:r="http://schemas.openxmlformats.org/officeDocument/2006/relationships" xmlns:p="http://schemas.openxmlformats.org/presentationml/2006/main">
+  <p:cSld>
+    <p:spTree>
+      <p:nvGrpSpPr>
+        <p:cNvPr id="1" name=""/>
+        <p:cNvGrpSpPr/>
+        <p:nvPr/>
+      </p:nvGrpSpPr>
+      <p:grpSpPr>
+        <a:xfrm>
+          <a:off x="0" y="0"/>
+          <a:ext cx="0" cy="0"/>
+          <a:chOff x="0" y="0"/>
+          <a:chExt cx="0" cy="0"/>
+        </a:xfrm>
+      </p:grpSpPr>
+      <p:pic>
+        <p:nvPicPr>
+          <p:cNvPr id="6" name="图片 5">
+            <a:extLst>
+              <a:ext uri="{FF2B5EF4-FFF2-40B4-BE49-F238E27FC236}">
+                <a16:creationId xmlns:a16="http://schemas.microsoft.com/office/drawing/2014/main" id="{B7248E82-5C3D-4857-A952-ED34C9E888B9}"/>
+              </a:ext>
+            </a:extLst>
+          </p:cNvPr>
+          <p:cNvPicPr>
+            <a:picLocks noChangeAspect="1"/>
+          </p:cNvPicPr>
+          <p:nvPr/>
+        </p:nvPicPr>
+        <p:blipFill>
+          <a:blip r:embed="rId2">
+            <a:extLst>
+              <a:ext uri="{28A0092B-C50C-407E-A947-70E740481C1C}">
+                <a14:useLocalDpi xmlns:a14="http://schemas.microsoft.com/office/drawing/2010/main" val="0"/>
+              </a:ext>
+            </a:extLst>
+          </a:blip>
+          <a:stretch>
+            <a:fillRect/>
+          </a:stretch>
+        </p:blipFill>
+        <p:spPr>
+          <a:xfrm>
+            <a:off x="-1" y="-1"/>
+            <a:ext cx="12863513" cy="7175500"/>
+          </a:xfrm>
+          <a:prstGeom prst="rect">
+            <a:avLst/>
+          </a:prstGeom>
+        </p:spPr>
+      </p:pic>
+      <p:pic>
+        <p:nvPicPr>
+          <p:cNvPr id="5" name="图片 4">
+            <a:extLst>
+              <a:ext uri="{FF2B5EF4-FFF2-40B4-BE49-F238E27FC236}">
+                <a16:creationId xmlns:a16="http://schemas.microsoft.com/office/drawing/2014/main" id="{4911DAA1-12CB-47F4-AAD6-E53FB612EBC8}"/>
+              </a:ext>
+            </a:extLst>
+          </p:cNvPr>
+          <p:cNvPicPr>
+            <a:picLocks noChangeAspect="1"/>
+          </p:cNvPicPr>
+          <p:nvPr/>
+        </p:nvPicPr>
+        <p:blipFill rotWithShape="1">
+          <a:blip r:embed="rId3">
+            <a:extLst>
+              <a:ext uri="{28A0092B-C50C-407E-A947-70E740481C1C}">
+                <a14:useLocalDpi xmlns:a14="http://schemas.microsoft.com/office/drawing/2010/main" val="0"/>
+              </a:ext>
+            </a:extLst>
+          </a:blip>
+          <a:srcRect t="28736" b="-4"/>
+          <a:stretch/>
+        </p:blipFill>
+        <p:spPr>
+          <a:xfrm>
+            <a:off x="0" y="2062064"/>
+            <a:ext cx="12863513" cy="5113435"/>
+          </a:xfrm>
+          <a:prstGeom prst="rect">
+            <a:avLst/>
+          </a:prstGeom>
+        </p:spPr>
+      </p:pic>
+      <p:sp>
+        <p:nvSpPr>
+          <p:cNvPr id="7" name="文本框 6">
+            <a:extLst>
+              <a:ext uri="{FF2B5EF4-FFF2-40B4-BE49-F238E27FC236}">
+                <a16:creationId xmlns:a16="http://schemas.microsoft.com/office/drawing/2014/main" id="{B88F3546-DF61-49EE-ABB4-6F8131912C6E}"/>
+              </a:ext>
+            </a:extLst>
+          </p:cNvPr>
+          <p:cNvSpPr txBox="1"/>
+          <p:nvPr/>
+        </p:nvSpPr>
+        <p:spPr>
+          <a:xfrm>
+            <a:off x="2181661" y="292368"/>
+            <a:ext cx="8500188" cy="1477328"/>
+          </a:xfrm>
+          <a:prstGeom prst="rect">
+            <a:avLst/>
+          </a:prstGeom>
+          <a:noFill/>
+        </p:spPr>
+        <p:txBody>
+          <a:bodyPr wrap="square" rtlCol="0">
+            <a:spAutoFit/>
+          </a:bodyPr>
+          <a:lstStyle/>
+          <a:p>
+            <a:pPr algn="ctr"/>
+            <a:r>
+              <a:rPr lang="zh-CN" altLang="en-US" dirty="0"/>
+              <a:t>光头强手里有一批藏宝图，请你根据藏宝图上的线索帮助光头强找到宝藏</a:t>
+            </a:r>
+            <a:endParaRPr lang="en-US" altLang="zh-CN" dirty="0"/>
+          </a:p>
+          <a:p>
+            <a:pPr algn="ctr"/>
+            <a:r>
+              <a:rPr lang="zh-CN" altLang="en-US" dirty="0"/>
+              <a:t>首先，屏幕上会呈现一些树桩，每一个树桩上都会有数字标记</a:t>
+            </a:r>
+            <a:endParaRPr lang="en-US" altLang="zh-CN" dirty="0"/>
+          </a:p>
+          <a:p>
+            <a:pPr algn="ctr"/>
+            <a:r>
+              <a:rPr lang="zh-CN" altLang="en-US" dirty="0"/>
+              <a:t>你需要记住树桩上的数字标记和对应的树桩位置</a:t>
+            </a:r>
+            <a:endParaRPr lang="en-US" altLang="zh-CN" dirty="0"/>
+          </a:p>
+          <a:p>
+            <a:pPr algn="ctr"/>
+            <a:r>
+              <a:rPr lang="zh-CN" altLang="en-US" dirty="0"/>
+              <a:t>宝藏会藏在树桩后面，藏宝图会给你线索</a:t>
+            </a:r>
+            <a:endParaRPr lang="en-US" altLang="zh-CN" dirty="0"/>
+          </a:p>
+          <a:p>
+            <a:pPr algn="ctr"/>
+            <a:r>
+              <a:rPr lang="zh-CN" altLang="en-US" dirty="0"/>
+              <a:t>请你回忆与数字标记对应的树桩位置，帮助光头强找到宝藏</a:t>
+            </a:r>
+          </a:p>
+        </p:txBody>
+      </p:sp>
+    </p:spTree>
+    <p:extLst>
+      <p:ext uri="{BB962C8B-B14F-4D97-AF65-F5344CB8AC3E}">
+        <p14:creationId xmlns:p14="http://schemas.microsoft.com/office/powerpoint/2010/main" val="3781029102"/>
       </p:ext>
     </p:extLst>
   </p:cSld>
